--- a/Slide_ITSA_Basics/ITSA Basics_21_25.pptx
+++ b/Slide_ITSA_Basics/ITSA Basics_21_25.pptx
@@ -7,15 +7,20 @@
   <p:sldIdLst>
     <p:sldId id="257" r:id="rId2"/>
     <p:sldId id="260" r:id="rId3"/>
-    <p:sldId id="270" r:id="rId4"/>
-    <p:sldId id="261" r:id="rId5"/>
-    <p:sldId id="265" r:id="rId6"/>
-    <p:sldId id="262" r:id="rId7"/>
-    <p:sldId id="259" r:id="rId8"/>
-    <p:sldId id="266" r:id="rId9"/>
-    <p:sldId id="268" r:id="rId10"/>
-    <p:sldId id="267" r:id="rId11"/>
-    <p:sldId id="269" r:id="rId12"/>
+    <p:sldId id="271" r:id="rId4"/>
+    <p:sldId id="270" r:id="rId5"/>
+    <p:sldId id="261" r:id="rId6"/>
+    <p:sldId id="272" r:id="rId7"/>
+    <p:sldId id="265" r:id="rId8"/>
+    <p:sldId id="262" r:id="rId9"/>
+    <p:sldId id="273" r:id="rId10"/>
+    <p:sldId id="259" r:id="rId11"/>
+    <p:sldId id="266" r:id="rId12"/>
+    <p:sldId id="274" r:id="rId13"/>
+    <p:sldId id="268" r:id="rId14"/>
+    <p:sldId id="267" r:id="rId15"/>
+    <p:sldId id="275" r:id="rId16"/>
+    <p:sldId id="269" r:id="rId17"/>
   </p:sldIdLst>
   <p:sldSz cx="9144000" cy="5715000" type="screen16x10"/>
   <p:notesSz cx="6858000" cy="9144000"/>
@@ -16258,7 +16263,7 @@
           <a:p>
             <a:fld id="{F6FA2B21-3FCD-4721-B95C-427943F61125}" type="datetime1">
               <a:rPr lang="en-US" smtClean="0"/>
-              <a:t>7/1/19</a:t>
+              <a:t>7/31/19</a:t>
             </a:fld>
             <a:endParaRPr lang="en-US"/>
           </a:p>
@@ -16438,7 +16443,7 @@
           <a:p>
             <a:fld id="{F6FA2B21-3FCD-4721-B95C-427943F61125}" type="datetime1">
               <a:rPr lang="en-US" smtClean="0"/>
-              <a:t>7/1/19</a:t>
+              <a:t>7/31/19</a:t>
             </a:fld>
             <a:endParaRPr lang="en-US"/>
           </a:p>
@@ -16619,7 +16624,7 @@
           <a:p>
             <a:fld id="{F6FA2B21-3FCD-4721-B95C-427943F61125}" type="datetime1">
               <a:rPr lang="en-US" smtClean="0"/>
-              <a:t>7/1/19</a:t>
+              <a:t>7/31/19</a:t>
             </a:fld>
             <a:endParaRPr lang="en-US"/>
           </a:p>
@@ -16790,7 +16795,7 @@
           <a:p>
             <a:fld id="{F6FA2B21-3FCD-4721-B95C-427943F61125}" type="datetime1">
               <a:rPr lang="en-US" smtClean="0"/>
-              <a:t>7/1/19</a:t>
+              <a:t>7/31/19</a:t>
             </a:fld>
             <a:endParaRPr lang="en-US"/>
           </a:p>
@@ -17112,7 +17117,7 @@
           <a:p>
             <a:fld id="{F6FA2B21-3FCD-4721-B95C-427943F61125}" type="datetime1">
               <a:rPr lang="en-US" smtClean="0"/>
-              <a:t>7/1/19</a:t>
+              <a:t>7/31/19</a:t>
             </a:fld>
             <a:endParaRPr lang="en-US"/>
           </a:p>
@@ -17573,7 +17578,7 @@
           <a:p>
             <a:fld id="{F6FA2B21-3FCD-4721-B95C-427943F61125}" type="datetime1">
               <a:rPr lang="en-US" smtClean="0"/>
-              <a:t>7/1/19</a:t>
+              <a:t>7/31/19</a:t>
             </a:fld>
             <a:endParaRPr lang="en-US"/>
           </a:p>
@@ -17985,7 +17990,7 @@
           <a:p>
             <a:fld id="{F6FA2B21-3FCD-4721-B95C-427943F61125}" type="datetime1">
               <a:rPr lang="en-US" smtClean="0"/>
-              <a:t>7/1/19</a:t>
+              <a:t>7/31/19</a:t>
             </a:fld>
             <a:endParaRPr lang="en-US"/>
           </a:p>
@@ -18104,7 +18109,7 @@
           <a:p>
             <a:fld id="{F6FA2B21-3FCD-4721-B95C-427943F61125}" type="datetime1">
               <a:rPr lang="en-US" smtClean="0"/>
-              <a:t>7/1/19</a:t>
+              <a:t>7/31/19</a:t>
             </a:fld>
             <a:endParaRPr lang="en-US"/>
           </a:p>
@@ -18223,7 +18228,7 @@
           <a:p>
             <a:fld id="{F6FA2B21-3FCD-4721-B95C-427943F61125}" type="datetime1">
               <a:rPr lang="en-US" smtClean="0"/>
-              <a:t>7/1/19</a:t>
+              <a:t>7/31/19</a:t>
             </a:fld>
             <a:endParaRPr lang="en-US"/>
           </a:p>
@@ -18582,7 +18587,7 @@
           <a:p>
             <a:fld id="{F6FA2B21-3FCD-4721-B95C-427943F61125}" type="datetime1">
               <a:rPr lang="en-US" smtClean="0"/>
-              <a:t>7/1/19</a:t>
+              <a:t>7/31/19</a:t>
             </a:fld>
             <a:endParaRPr lang="en-US"/>
           </a:p>
@@ -19090,7 +19095,7 @@
           <a:p>
             <a:fld id="{F6FA2B21-3FCD-4721-B95C-427943F61125}" type="datetime1">
               <a:rPr lang="en-US" smtClean="0"/>
-              <a:t>7/1/19</a:t>
+              <a:t>7/31/19</a:t>
             </a:fld>
             <a:endParaRPr lang="en-US"/>
           </a:p>
@@ -19446,7 +19451,7 @@
           <a:p>
             <a:fld id="{F6FA2B21-3FCD-4721-B95C-427943F61125}" type="datetime1">
               <a:rPr lang="en-US" smtClean="0"/>
-              <a:t>7/1/19</a:t>
+              <a:t>7/31/19</a:t>
             </a:fld>
             <a:endParaRPr lang="en-US"/>
           </a:p>
@@ -20176,6 +20181,311 @@
 <file path=ppt/slides/slide10.xml><?xml version="1.0" encoding="utf-8"?>
 <p:sld xmlns:a="http://schemas.openxmlformats.org/drawingml/2006/main" xmlns:r="http://schemas.openxmlformats.org/officeDocument/2006/relationships" xmlns:p="http://schemas.openxmlformats.org/presentationml/2006/main">
   <p:cSld>
+    <p:spTree>
+      <p:nvGrpSpPr>
+        <p:cNvPr id="1" name=""/>
+        <p:cNvGrpSpPr/>
+        <p:nvPr/>
+      </p:nvGrpSpPr>
+      <p:grpSpPr>
+        <a:xfrm>
+          <a:off x="0" y="0"/>
+          <a:ext cx="0" cy="0"/>
+          <a:chOff x="0" y="0"/>
+          <a:chExt cx="0" cy="0"/>
+        </a:xfrm>
+      </p:grpSpPr>
+      <p:pic>
+        <p:nvPicPr>
+          <p:cNvPr id="3" name="圖片 2">
+            <a:extLst>
+              <a:ext uri="{FF2B5EF4-FFF2-40B4-BE49-F238E27FC236}">
+                <a16:creationId xmlns:a16="http://schemas.microsoft.com/office/drawing/2014/main" id="{F3BE1330-55A5-A84D-B636-92247FB80C25}"/>
+              </a:ext>
+            </a:extLst>
+          </p:cNvPr>
+          <p:cNvPicPr>
+            <a:picLocks noChangeAspect="1"/>
+          </p:cNvPicPr>
+          <p:nvPr/>
+        </p:nvPicPr>
+        <p:blipFill>
+          <a:blip r:embed="rId2"/>
+          <a:stretch>
+            <a:fillRect/>
+          </a:stretch>
+        </p:blipFill>
+        <p:spPr>
+          <a:xfrm>
+            <a:off x="507882" y="722475"/>
+            <a:ext cx="5359400" cy="3962400"/>
+          </a:xfrm>
+          <a:prstGeom prst="rect">
+            <a:avLst/>
+          </a:prstGeom>
+          <a:ln>
+            <a:solidFill>
+              <a:schemeClr val="accent1"/>
+            </a:solidFill>
+          </a:ln>
+        </p:spPr>
+      </p:pic>
+    </p:spTree>
+    <p:extLst>
+      <p:ext uri="{BB962C8B-B14F-4D97-AF65-F5344CB8AC3E}">
+        <p14:creationId xmlns:p14="http://schemas.microsoft.com/office/powerpoint/2010/main" val="2823131167"/>
+      </p:ext>
+    </p:extLst>
+  </p:cSld>
+  <p:clrMapOvr>
+    <a:masterClrMapping/>
+  </p:clrMapOvr>
+</p:sld>
+</file>
+
+<file path=ppt/slides/slide11.xml><?xml version="1.0" encoding="utf-8"?>
+<p:sld xmlns:a="http://schemas.openxmlformats.org/drawingml/2006/main" xmlns:r="http://schemas.openxmlformats.org/officeDocument/2006/relationships" xmlns:p="http://schemas.openxmlformats.org/presentationml/2006/main">
+  <p:cSld>
+    <p:bg>
+      <p:bgPr>
+        <a:solidFill>
+          <a:schemeClr val="bg1"/>
+        </a:solidFill>
+        <a:effectLst/>
+      </p:bgPr>
+    </p:bg>
+    <p:spTree>
+      <p:nvGrpSpPr>
+        <p:cNvPr id="1" name=""/>
+        <p:cNvGrpSpPr/>
+        <p:nvPr/>
+      </p:nvGrpSpPr>
+      <p:grpSpPr>
+        <a:xfrm>
+          <a:off x="0" y="0"/>
+          <a:ext cx="0" cy="0"/>
+          <a:chOff x="0" y="0"/>
+          <a:chExt cx="0" cy="0"/>
+        </a:xfrm>
+      </p:grpSpPr>
+      <p:sp>
+        <p:nvSpPr>
+          <p:cNvPr id="2" name="標題 1">
+            <a:extLst>
+              <a:ext uri="{FF2B5EF4-FFF2-40B4-BE49-F238E27FC236}">
+                <a16:creationId xmlns:a16="http://schemas.microsoft.com/office/drawing/2014/main" id="{8C2840B5-9697-D44A-8CEC-C50B447D4D01}"/>
+              </a:ext>
+            </a:extLst>
+          </p:cNvPr>
+          <p:cNvSpPr>
+            <a:spLocks noGrp="1"/>
+          </p:cNvSpPr>
+          <p:nvPr>
+            <p:ph type="title"/>
+          </p:nvPr>
+        </p:nvSpPr>
+        <p:spPr>
+          <a:xfrm>
+            <a:off x="6359833" y="765573"/>
+            <a:ext cx="2284555" cy="3883033"/>
+          </a:xfrm>
+          <a:ln>
+            <a:noFill/>
+          </a:ln>
+        </p:spPr>
+        <p:txBody>
+          <a:bodyPr>
+            <a:normAutofit/>
+          </a:bodyPr>
+          <a:lstStyle/>
+          <a:p>
+            <a:r>
+              <a:rPr lang="zh-TW" altLang="en-US" sz="2400" b="1" dirty="0"/>
+              <a:t>題目</a:t>
+            </a:r>
+            <a:r>
+              <a:rPr lang="en-US" altLang="zh-TW" sz="2400" b="1" dirty="0"/>
+              <a:t>24. </a:t>
+            </a:r>
+            <a:r>
+              <a:rPr lang="zh-TW" altLang="en-US" sz="2400" b="1" dirty="0"/>
+              <a:t>計算複利</a:t>
+            </a:r>
+          </a:p>
+        </p:txBody>
+      </p:sp>
+      <p:graphicFrame>
+        <p:nvGraphicFramePr>
+          <p:cNvPr id="5" name="內容版面配置區 2">
+            <a:extLst>
+              <a:ext uri="{FF2B5EF4-FFF2-40B4-BE49-F238E27FC236}">
+                <a16:creationId xmlns:a16="http://schemas.microsoft.com/office/drawing/2014/main" id="{B79F1320-04D0-4EA3-96DD-9006D69E9172}"/>
+              </a:ext>
+            </a:extLst>
+          </p:cNvPr>
+          <p:cNvGraphicFramePr>
+            <a:graphicFrameLocks noGrp="1"/>
+          </p:cNvGraphicFramePr>
+          <p:nvPr>
+            <p:ph idx="1"/>
+            <p:extLst>
+              <p:ext uri="{D42A27DB-BD31-4B8C-83A1-F6EECF244321}">
+                <p14:modId xmlns:p14="http://schemas.microsoft.com/office/powerpoint/2010/main" val="3473379428"/>
+              </p:ext>
+            </p:extLst>
+          </p:nvPr>
+        </p:nvGraphicFramePr>
+        <p:xfrm>
+          <a:off x="466725" y="765572"/>
+          <a:ext cx="4929188" cy="4191000"/>
+        </p:xfrm>
+        <a:graphic>
+          <a:graphicData uri="http://schemas.openxmlformats.org/drawingml/2006/diagram">
+            <dgm:relIds xmlns:dgm="http://schemas.openxmlformats.org/drawingml/2006/diagram" xmlns:r="http://schemas.openxmlformats.org/officeDocument/2006/relationships" r:dm="rId2" r:lo="rId3" r:qs="rId4" r:cs="rId5"/>
+          </a:graphicData>
+        </a:graphic>
+      </p:graphicFrame>
+    </p:spTree>
+    <p:extLst>
+      <p:ext uri="{BB962C8B-B14F-4D97-AF65-F5344CB8AC3E}">
+        <p14:creationId xmlns:p14="http://schemas.microsoft.com/office/powerpoint/2010/main" val="2402312671"/>
+      </p:ext>
+    </p:extLst>
+  </p:cSld>
+  <p:clrMapOvr>
+    <a:masterClrMapping/>
+  </p:clrMapOvr>
+</p:sld>
+</file>
+
+<file path=ppt/slides/slide12.xml><?xml version="1.0" encoding="utf-8"?>
+<p:sld xmlns:a="http://schemas.openxmlformats.org/drawingml/2006/main" xmlns:r="http://schemas.openxmlformats.org/officeDocument/2006/relationships" xmlns:p="http://schemas.openxmlformats.org/presentationml/2006/main">
+  <p:cSld>
+    <p:spTree>
+      <p:nvGrpSpPr>
+        <p:cNvPr id="1" name=""/>
+        <p:cNvGrpSpPr/>
+        <p:nvPr/>
+      </p:nvGrpSpPr>
+      <p:grpSpPr>
+        <a:xfrm>
+          <a:off x="0" y="0"/>
+          <a:ext cx="0" cy="0"/>
+          <a:chOff x="0" y="0"/>
+          <a:chExt cx="0" cy="0"/>
+        </a:xfrm>
+      </p:grpSpPr>
+      <p:pic>
+        <p:nvPicPr>
+          <p:cNvPr id="4" name="圖片 3">
+            <a:extLst>
+              <a:ext uri="{FF2B5EF4-FFF2-40B4-BE49-F238E27FC236}">
+                <a16:creationId xmlns:a16="http://schemas.microsoft.com/office/drawing/2014/main" id="{354ECA9F-D24F-CF48-BE04-2C2A23316BB5}"/>
+              </a:ext>
+            </a:extLst>
+          </p:cNvPr>
+          <p:cNvPicPr>
+            <a:picLocks noChangeAspect="1"/>
+          </p:cNvPicPr>
+          <p:nvPr/>
+        </p:nvPicPr>
+        <p:blipFill>
+          <a:blip r:embed="rId2"/>
+          <a:stretch>
+            <a:fillRect/>
+          </a:stretch>
+        </p:blipFill>
+        <p:spPr>
+          <a:xfrm>
+            <a:off x="834374" y="0"/>
+            <a:ext cx="7475251" cy="5715000"/>
+          </a:xfrm>
+          <a:prstGeom prst="rect">
+            <a:avLst/>
+          </a:prstGeom>
+        </p:spPr>
+      </p:pic>
+    </p:spTree>
+    <p:extLst>
+      <p:ext uri="{BB962C8B-B14F-4D97-AF65-F5344CB8AC3E}">
+        <p14:creationId xmlns:p14="http://schemas.microsoft.com/office/powerpoint/2010/main" val="448458807"/>
+      </p:ext>
+    </p:extLst>
+  </p:cSld>
+  <p:clrMapOvr>
+    <a:masterClrMapping/>
+  </p:clrMapOvr>
+</p:sld>
+</file>
+
+<file path=ppt/slides/slide13.xml><?xml version="1.0" encoding="utf-8"?>
+<p:sld xmlns:a="http://schemas.openxmlformats.org/drawingml/2006/main" xmlns:r="http://schemas.openxmlformats.org/officeDocument/2006/relationships" xmlns:p="http://schemas.openxmlformats.org/presentationml/2006/main">
+  <p:cSld>
+    <p:spTree>
+      <p:nvGrpSpPr>
+        <p:cNvPr id="1" name=""/>
+        <p:cNvGrpSpPr/>
+        <p:nvPr/>
+      </p:nvGrpSpPr>
+      <p:grpSpPr>
+        <a:xfrm>
+          <a:off x="0" y="0"/>
+          <a:ext cx="0" cy="0"/>
+          <a:chOff x="0" y="0"/>
+          <a:chExt cx="0" cy="0"/>
+        </a:xfrm>
+      </p:grpSpPr>
+      <p:pic>
+        <p:nvPicPr>
+          <p:cNvPr id="4" name="圖片 3">
+            <a:extLst>
+              <a:ext uri="{FF2B5EF4-FFF2-40B4-BE49-F238E27FC236}">
+                <a16:creationId xmlns:a16="http://schemas.microsoft.com/office/drawing/2014/main" id="{372054FA-E2A6-5241-BD91-B6FB685FCEC4}"/>
+              </a:ext>
+            </a:extLst>
+          </p:cNvPr>
+          <p:cNvPicPr>
+            <a:picLocks noChangeAspect="1"/>
+          </p:cNvPicPr>
+          <p:nvPr/>
+        </p:nvPicPr>
+        <p:blipFill>
+          <a:blip r:embed="rId2"/>
+          <a:stretch>
+            <a:fillRect/>
+          </a:stretch>
+        </p:blipFill>
+        <p:spPr>
+          <a:xfrm>
+            <a:off x="720873" y="1479550"/>
+            <a:ext cx="4762500" cy="2755900"/>
+          </a:xfrm>
+          <a:prstGeom prst="rect">
+            <a:avLst/>
+          </a:prstGeom>
+          <a:ln>
+            <a:solidFill>
+              <a:schemeClr val="accent1"/>
+            </a:solidFill>
+          </a:ln>
+        </p:spPr>
+      </p:pic>
+    </p:spTree>
+    <p:extLst>
+      <p:ext uri="{BB962C8B-B14F-4D97-AF65-F5344CB8AC3E}">
+        <p14:creationId xmlns:p14="http://schemas.microsoft.com/office/powerpoint/2010/main" val="3355254503"/>
+      </p:ext>
+    </p:extLst>
+  </p:cSld>
+  <p:clrMapOvr>
+    <a:masterClrMapping/>
+  </p:clrMapOvr>
+</p:sld>
+</file>
+
+<file path=ppt/slides/slide14.xml><?xml version="1.0" encoding="utf-8"?>
+<p:sld xmlns:a="http://schemas.openxmlformats.org/drawingml/2006/main" xmlns:r="http://schemas.openxmlformats.org/officeDocument/2006/relationships" xmlns:p="http://schemas.openxmlformats.org/presentationml/2006/main">
+  <p:cSld>
     <p:bg>
       <p:bgPr>
         <a:solidFill>
@@ -20288,7 +20598,97 @@
 </p:sld>
 </file>
 
-<file path=ppt/slides/slide11.xml><?xml version="1.0" encoding="utf-8"?>
+<file path=ppt/slides/slide15.xml><?xml version="1.0" encoding="utf-8"?>
+<p:sld xmlns:a="http://schemas.openxmlformats.org/drawingml/2006/main" xmlns:r="http://schemas.openxmlformats.org/officeDocument/2006/relationships" xmlns:p="http://schemas.openxmlformats.org/presentationml/2006/main">
+  <p:cSld>
+    <p:spTree>
+      <p:nvGrpSpPr>
+        <p:cNvPr id="1" name=""/>
+        <p:cNvGrpSpPr/>
+        <p:nvPr/>
+      </p:nvGrpSpPr>
+      <p:grpSpPr>
+        <a:xfrm>
+          <a:off x="0" y="0"/>
+          <a:ext cx="0" cy="0"/>
+          <a:chOff x="0" y="0"/>
+          <a:chExt cx="0" cy="0"/>
+        </a:xfrm>
+      </p:grpSpPr>
+      <p:pic>
+        <p:nvPicPr>
+          <p:cNvPr id="4" name="圖片 3">
+            <a:extLst>
+              <a:ext uri="{FF2B5EF4-FFF2-40B4-BE49-F238E27FC236}">
+                <a16:creationId xmlns:a16="http://schemas.microsoft.com/office/drawing/2014/main" id="{B17E9401-FD4D-E84F-9736-2FAE0A8FFB29}"/>
+              </a:ext>
+            </a:extLst>
+          </p:cNvPr>
+          <p:cNvPicPr>
+            <a:picLocks noChangeAspect="1"/>
+          </p:cNvPicPr>
+          <p:nvPr/>
+        </p:nvPicPr>
+        <p:blipFill>
+          <a:blip r:embed="rId2"/>
+          <a:stretch>
+            <a:fillRect/>
+          </a:stretch>
+        </p:blipFill>
+        <p:spPr>
+          <a:xfrm>
+            <a:off x="0" y="0"/>
+            <a:ext cx="9144000" cy="3326435"/>
+          </a:xfrm>
+          <a:prstGeom prst="rect">
+            <a:avLst/>
+          </a:prstGeom>
+        </p:spPr>
+      </p:pic>
+      <p:pic>
+        <p:nvPicPr>
+          <p:cNvPr id="5" name="圖片 4">
+            <a:extLst>
+              <a:ext uri="{FF2B5EF4-FFF2-40B4-BE49-F238E27FC236}">
+                <a16:creationId xmlns:a16="http://schemas.microsoft.com/office/drawing/2014/main" id="{6E068C02-865C-E249-8852-02C3F4E8ED42}"/>
+              </a:ext>
+            </a:extLst>
+          </p:cNvPr>
+          <p:cNvPicPr>
+            <a:picLocks noChangeAspect="1"/>
+          </p:cNvPicPr>
+          <p:nvPr/>
+        </p:nvPicPr>
+        <p:blipFill>
+          <a:blip r:embed="rId3"/>
+          <a:stretch>
+            <a:fillRect/>
+          </a:stretch>
+        </p:blipFill>
+        <p:spPr>
+          <a:xfrm>
+            <a:off x="1734795" y="3710161"/>
+            <a:ext cx="5212757" cy="1915582"/>
+          </a:xfrm>
+          <a:prstGeom prst="rect">
+            <a:avLst/>
+          </a:prstGeom>
+        </p:spPr>
+      </p:pic>
+    </p:spTree>
+    <p:extLst>
+      <p:ext uri="{BB962C8B-B14F-4D97-AF65-F5344CB8AC3E}">
+        <p14:creationId xmlns:p14="http://schemas.microsoft.com/office/powerpoint/2010/main" val="2266872421"/>
+      </p:ext>
+    </p:extLst>
+  </p:cSld>
+  <p:clrMapOvr>
+    <a:masterClrMapping/>
+  </p:clrMapOvr>
+</p:sld>
+</file>
+
+<file path=ppt/slides/slide16.xml><?xml version="1.0" encoding="utf-8"?>
 <p:sld xmlns:a="http://schemas.openxmlformats.org/drawingml/2006/main" xmlns:r="http://schemas.openxmlformats.org/officeDocument/2006/relationships" xmlns:p="http://schemas.openxmlformats.org/presentationml/2006/main">
   <p:cSld>
     <p:spTree>
@@ -20497,6 +20897,66 @@
       </p:grpSpPr>
       <p:pic>
         <p:nvPicPr>
+          <p:cNvPr id="4" name="圖片 3">
+            <a:extLst>
+              <a:ext uri="{FF2B5EF4-FFF2-40B4-BE49-F238E27FC236}">
+                <a16:creationId xmlns:a16="http://schemas.microsoft.com/office/drawing/2014/main" id="{EC79FC30-5439-914C-AD59-FCFE14CD1C7E}"/>
+              </a:ext>
+            </a:extLst>
+          </p:cNvPr>
+          <p:cNvPicPr>
+            <a:picLocks noChangeAspect="1"/>
+          </p:cNvPicPr>
+          <p:nvPr/>
+        </p:nvPicPr>
+        <p:blipFill>
+          <a:blip r:embed="rId2"/>
+          <a:stretch>
+            <a:fillRect/>
+          </a:stretch>
+        </p:blipFill>
+        <p:spPr>
+          <a:xfrm>
+            <a:off x="885902" y="0"/>
+            <a:ext cx="7372195" cy="5715000"/>
+          </a:xfrm>
+          <a:prstGeom prst="rect">
+            <a:avLst/>
+          </a:prstGeom>
+        </p:spPr>
+      </p:pic>
+    </p:spTree>
+    <p:extLst>
+      <p:ext uri="{BB962C8B-B14F-4D97-AF65-F5344CB8AC3E}">
+        <p14:creationId xmlns:p14="http://schemas.microsoft.com/office/powerpoint/2010/main" val="379573383"/>
+      </p:ext>
+    </p:extLst>
+  </p:cSld>
+  <p:clrMapOvr>
+    <a:masterClrMapping/>
+  </p:clrMapOvr>
+</p:sld>
+</file>
+
+<file path=ppt/slides/slide4.xml><?xml version="1.0" encoding="utf-8"?>
+<p:sld xmlns:a="http://schemas.openxmlformats.org/drawingml/2006/main" xmlns:r="http://schemas.openxmlformats.org/officeDocument/2006/relationships" xmlns:p="http://schemas.openxmlformats.org/presentationml/2006/main">
+  <p:cSld>
+    <p:spTree>
+      <p:nvGrpSpPr>
+        <p:cNvPr id="1" name=""/>
+        <p:cNvGrpSpPr/>
+        <p:nvPr/>
+      </p:nvGrpSpPr>
+      <p:grpSpPr>
+        <a:xfrm>
+          <a:off x="0" y="0"/>
+          <a:ext cx="0" cy="0"/>
+          <a:chOff x="0" y="0"/>
+          <a:chExt cx="0" cy="0"/>
+        </a:xfrm>
+      </p:grpSpPr>
+      <p:pic>
+        <p:nvPicPr>
           <p:cNvPr id="5" name="圖片 4">
             <a:extLst>
               <a:ext uri="{FF2B5EF4-FFF2-40B4-BE49-F238E27FC236}">
@@ -20543,7 +21003,7 @@
 </p:sld>
 </file>
 
-<file path=ppt/slides/slide4.xml><?xml version="1.0" encoding="utf-8"?>
+<file path=ppt/slides/slide5.xml><?xml version="1.0" encoding="utf-8"?>
 <p:sld xmlns:a="http://schemas.openxmlformats.org/drawingml/2006/main" xmlns:r="http://schemas.openxmlformats.org/officeDocument/2006/relationships" xmlns:p="http://schemas.openxmlformats.org/presentationml/2006/main">
   <p:cSld>
     <p:bg>
@@ -20668,7 +21128,67 @@
 </p:sld>
 </file>
 
-<file path=ppt/slides/slide5.xml><?xml version="1.0" encoding="utf-8"?>
+<file path=ppt/slides/slide6.xml><?xml version="1.0" encoding="utf-8"?>
+<p:sld xmlns:a="http://schemas.openxmlformats.org/drawingml/2006/main" xmlns:r="http://schemas.openxmlformats.org/officeDocument/2006/relationships" xmlns:p="http://schemas.openxmlformats.org/presentationml/2006/main">
+  <p:cSld>
+    <p:spTree>
+      <p:nvGrpSpPr>
+        <p:cNvPr id="1" name=""/>
+        <p:cNvGrpSpPr/>
+        <p:nvPr/>
+      </p:nvGrpSpPr>
+      <p:grpSpPr>
+        <a:xfrm>
+          <a:off x="0" y="0"/>
+          <a:ext cx="0" cy="0"/>
+          <a:chOff x="0" y="0"/>
+          <a:chExt cx="0" cy="0"/>
+        </a:xfrm>
+      </p:grpSpPr>
+      <p:pic>
+        <p:nvPicPr>
+          <p:cNvPr id="4" name="圖片 3">
+            <a:extLst>
+              <a:ext uri="{FF2B5EF4-FFF2-40B4-BE49-F238E27FC236}">
+                <a16:creationId xmlns:a16="http://schemas.microsoft.com/office/drawing/2014/main" id="{89F84759-9707-8B4F-A465-2DB4D573EDAA}"/>
+              </a:ext>
+            </a:extLst>
+          </p:cNvPr>
+          <p:cNvPicPr>
+            <a:picLocks noChangeAspect="1"/>
+          </p:cNvPicPr>
+          <p:nvPr/>
+        </p:nvPicPr>
+        <p:blipFill>
+          <a:blip r:embed="rId2"/>
+          <a:stretch>
+            <a:fillRect/>
+          </a:stretch>
+        </p:blipFill>
+        <p:spPr>
+          <a:xfrm>
+            <a:off x="675038" y="0"/>
+            <a:ext cx="7793923" cy="5715000"/>
+          </a:xfrm>
+          <a:prstGeom prst="rect">
+            <a:avLst/>
+          </a:prstGeom>
+        </p:spPr>
+      </p:pic>
+    </p:spTree>
+    <p:extLst>
+      <p:ext uri="{BB962C8B-B14F-4D97-AF65-F5344CB8AC3E}">
+        <p14:creationId xmlns:p14="http://schemas.microsoft.com/office/powerpoint/2010/main" val="815191696"/>
+      </p:ext>
+    </p:extLst>
+  </p:cSld>
+  <p:clrMapOvr>
+    <a:masterClrMapping/>
+  </p:clrMapOvr>
+</p:sld>
+</file>
+
+<file path=ppt/slides/slide7.xml><?xml version="1.0" encoding="utf-8"?>
 <p:sld xmlns:a="http://schemas.openxmlformats.org/drawingml/2006/main" xmlns:r="http://schemas.openxmlformats.org/officeDocument/2006/relationships" xmlns:p="http://schemas.openxmlformats.org/presentationml/2006/main">
   <p:cSld>
     <p:spTree>
@@ -20720,6 +21240,573 @@
           </a:ln>
         </p:spPr>
       </p:pic>
+      <p:graphicFrame>
+        <p:nvGraphicFramePr>
+          <p:cNvPr id="2" name="表格 1">
+            <a:extLst>
+              <a:ext uri="{FF2B5EF4-FFF2-40B4-BE49-F238E27FC236}">
+                <a16:creationId xmlns:a16="http://schemas.microsoft.com/office/drawing/2014/main" id="{8A50B092-B5DC-634D-AAE1-917D2CF762F9}"/>
+              </a:ext>
+            </a:extLst>
+          </p:cNvPr>
+          <p:cNvGraphicFramePr>
+            <a:graphicFrameLocks noGrp="1"/>
+          </p:cNvGraphicFramePr>
+          <p:nvPr>
+            <p:extLst>
+              <p:ext uri="{D42A27DB-BD31-4B8C-83A1-F6EECF244321}">
+                <p14:modId xmlns:p14="http://schemas.microsoft.com/office/powerpoint/2010/main" val="308233122"/>
+              </p:ext>
+            </p:extLst>
+          </p:nvPr>
+        </p:nvGraphicFramePr>
+        <p:xfrm>
+          <a:off x="5819686" y="278569"/>
+          <a:ext cx="1159380" cy="1112520"/>
+        </p:xfrm>
+        <a:graphic>
+          <a:graphicData uri="http://schemas.openxmlformats.org/drawingml/2006/table">
+            <a:tbl>
+              <a:tblPr bandRow="1">
+                <a:tableStyleId>{5C22544A-7EE6-4342-B048-85BDC9FD1C3A}</a:tableStyleId>
+              </a:tblPr>
+              <a:tblGrid>
+                <a:gridCol w="386460">
+                  <a:extLst>
+                    <a:ext uri="{9D8B030D-6E8A-4147-A177-3AD203B41FA5}">
+                      <a16:colId xmlns:a16="http://schemas.microsoft.com/office/drawing/2014/main" val="3051557164"/>
+                    </a:ext>
+                  </a:extLst>
+                </a:gridCol>
+                <a:gridCol w="386460">
+                  <a:extLst>
+                    <a:ext uri="{9D8B030D-6E8A-4147-A177-3AD203B41FA5}">
+                      <a16:colId xmlns:a16="http://schemas.microsoft.com/office/drawing/2014/main" val="2181026278"/>
+                    </a:ext>
+                  </a:extLst>
+                </a:gridCol>
+                <a:gridCol w="386460">
+                  <a:extLst>
+                    <a:ext uri="{9D8B030D-6E8A-4147-A177-3AD203B41FA5}">
+                      <a16:colId xmlns:a16="http://schemas.microsoft.com/office/drawing/2014/main" val="1192595742"/>
+                    </a:ext>
+                  </a:extLst>
+                </a:gridCol>
+              </a:tblGrid>
+              <a:tr h="370840">
+                <a:tc>
+                  <a:txBody>
+                    <a:bodyPr/>
+                    <a:lstStyle/>
+                    <a:p>
+                      <a:pPr algn="ctr"/>
+                      <a:r>
+                        <a:rPr lang="en-US" altLang="zh-TW" dirty="0"/>
+                        <a:t>O</a:t>
+                      </a:r>
+                      <a:endParaRPr lang="zh-TW" altLang="en-US" dirty="0"/>
+                    </a:p>
+                  </a:txBody>
+                  <a:tcPr/>
+                </a:tc>
+                <a:tc>
+                  <a:txBody>
+                    <a:bodyPr/>
+                    <a:lstStyle/>
+                    <a:p>
+                      <a:pPr algn="ctr"/>
+                      <a:r>
+                        <a:rPr lang="en-US" altLang="zh-TW" dirty="0"/>
+                        <a:t>O</a:t>
+                      </a:r>
+                      <a:endParaRPr lang="zh-TW" altLang="en-US" dirty="0"/>
+                    </a:p>
+                  </a:txBody>
+                  <a:tcPr/>
+                </a:tc>
+                <a:tc>
+                  <a:txBody>
+                    <a:bodyPr/>
+                    <a:lstStyle/>
+                    <a:p>
+                      <a:pPr algn="ctr"/>
+                      <a:r>
+                        <a:rPr lang="en-US" altLang="zh-TW" dirty="0"/>
+                        <a:t>O</a:t>
+                      </a:r>
+                      <a:endParaRPr lang="zh-TW" altLang="en-US" dirty="0"/>
+                    </a:p>
+                  </a:txBody>
+                  <a:tcPr/>
+                </a:tc>
+                <a:extLst>
+                  <a:ext uri="{0D108BD9-81ED-4DB2-BD59-A6C34878D82A}">
+                    <a16:rowId xmlns:a16="http://schemas.microsoft.com/office/drawing/2014/main" val="27922673"/>
+                  </a:ext>
+                </a:extLst>
+              </a:tr>
+              <a:tr h="370840">
+                <a:tc>
+                  <a:txBody>
+                    <a:bodyPr/>
+                    <a:lstStyle/>
+                    <a:p>
+                      <a:pPr algn="ctr"/>
+                      <a:endParaRPr lang="zh-TW" altLang="en-US"/>
+                    </a:p>
+                  </a:txBody>
+                  <a:tcPr/>
+                </a:tc>
+                <a:tc>
+                  <a:txBody>
+                    <a:bodyPr/>
+                    <a:lstStyle/>
+                    <a:p>
+                      <a:pPr algn="ctr"/>
+                      <a:endParaRPr lang="zh-TW" altLang="en-US"/>
+                    </a:p>
+                  </a:txBody>
+                  <a:tcPr/>
+                </a:tc>
+                <a:tc>
+                  <a:txBody>
+                    <a:bodyPr/>
+                    <a:lstStyle/>
+                    <a:p>
+                      <a:pPr algn="ctr"/>
+                      <a:endParaRPr lang="zh-TW" altLang="en-US"/>
+                    </a:p>
+                  </a:txBody>
+                  <a:tcPr/>
+                </a:tc>
+                <a:extLst>
+                  <a:ext uri="{0D108BD9-81ED-4DB2-BD59-A6C34878D82A}">
+                    <a16:rowId xmlns:a16="http://schemas.microsoft.com/office/drawing/2014/main" val="132158736"/>
+                  </a:ext>
+                </a:extLst>
+              </a:tr>
+              <a:tr h="370840">
+                <a:tc>
+                  <a:txBody>
+                    <a:bodyPr/>
+                    <a:lstStyle/>
+                    <a:p>
+                      <a:pPr algn="ctr"/>
+                      <a:endParaRPr lang="zh-TW" altLang="en-US"/>
+                    </a:p>
+                  </a:txBody>
+                  <a:tcPr/>
+                </a:tc>
+                <a:tc>
+                  <a:txBody>
+                    <a:bodyPr/>
+                    <a:lstStyle/>
+                    <a:p>
+                      <a:pPr algn="ctr"/>
+                      <a:endParaRPr lang="zh-TW" altLang="en-US" dirty="0"/>
+                    </a:p>
+                  </a:txBody>
+                  <a:tcPr/>
+                </a:tc>
+                <a:tc>
+                  <a:txBody>
+                    <a:bodyPr/>
+                    <a:lstStyle/>
+                    <a:p>
+                      <a:pPr algn="ctr"/>
+                      <a:endParaRPr lang="zh-TW" altLang="en-US" dirty="0"/>
+                    </a:p>
+                  </a:txBody>
+                  <a:tcPr/>
+                </a:tc>
+                <a:extLst>
+                  <a:ext uri="{0D108BD9-81ED-4DB2-BD59-A6C34878D82A}">
+                    <a16:rowId xmlns:a16="http://schemas.microsoft.com/office/drawing/2014/main" val="781828520"/>
+                  </a:ext>
+                </a:extLst>
+              </a:tr>
+            </a:tbl>
+          </a:graphicData>
+        </a:graphic>
+      </p:graphicFrame>
+      <p:graphicFrame>
+        <p:nvGraphicFramePr>
+          <p:cNvPr id="5" name="表格 4">
+            <a:extLst>
+              <a:ext uri="{FF2B5EF4-FFF2-40B4-BE49-F238E27FC236}">
+                <a16:creationId xmlns:a16="http://schemas.microsoft.com/office/drawing/2014/main" id="{E391EEB1-4FCA-AE4C-A6BA-A7A2B9D51818}"/>
+              </a:ext>
+            </a:extLst>
+          </p:cNvPr>
+          <p:cNvGraphicFramePr>
+            <a:graphicFrameLocks noGrp="1"/>
+          </p:cNvGraphicFramePr>
+          <p:nvPr>
+            <p:extLst>
+              <p:ext uri="{D42A27DB-BD31-4B8C-83A1-F6EECF244321}">
+                <p14:modId xmlns:p14="http://schemas.microsoft.com/office/powerpoint/2010/main" val="2285584959"/>
+              </p:ext>
+            </p:extLst>
+          </p:nvPr>
+        </p:nvGraphicFramePr>
+        <p:xfrm>
+          <a:off x="5819686" y="1610289"/>
+          <a:ext cx="1159380" cy="1112520"/>
+        </p:xfrm>
+        <a:graphic>
+          <a:graphicData uri="http://schemas.openxmlformats.org/drawingml/2006/table">
+            <a:tbl>
+              <a:tblPr bandRow="1">
+                <a:tableStyleId>{5C22544A-7EE6-4342-B048-85BDC9FD1C3A}</a:tableStyleId>
+              </a:tblPr>
+              <a:tblGrid>
+                <a:gridCol w="386460">
+                  <a:extLst>
+                    <a:ext uri="{9D8B030D-6E8A-4147-A177-3AD203B41FA5}">
+                      <a16:colId xmlns:a16="http://schemas.microsoft.com/office/drawing/2014/main" val="3051557164"/>
+                    </a:ext>
+                  </a:extLst>
+                </a:gridCol>
+                <a:gridCol w="386460">
+                  <a:extLst>
+                    <a:ext uri="{9D8B030D-6E8A-4147-A177-3AD203B41FA5}">
+                      <a16:colId xmlns:a16="http://schemas.microsoft.com/office/drawing/2014/main" val="2181026278"/>
+                    </a:ext>
+                  </a:extLst>
+                </a:gridCol>
+                <a:gridCol w="386460">
+                  <a:extLst>
+                    <a:ext uri="{9D8B030D-6E8A-4147-A177-3AD203B41FA5}">
+                      <a16:colId xmlns:a16="http://schemas.microsoft.com/office/drawing/2014/main" val="1192595742"/>
+                    </a:ext>
+                  </a:extLst>
+                </a:gridCol>
+              </a:tblGrid>
+              <a:tr h="370840">
+                <a:tc>
+                  <a:txBody>
+                    <a:bodyPr/>
+                    <a:lstStyle/>
+                    <a:p>
+                      <a:pPr algn="ctr"/>
+                      <a:r>
+                        <a:rPr lang="en-US" altLang="zh-TW" dirty="0"/>
+                        <a:t>O</a:t>
+                      </a:r>
+                      <a:endParaRPr lang="zh-TW" altLang="en-US" dirty="0"/>
+                    </a:p>
+                  </a:txBody>
+                  <a:tcPr/>
+                </a:tc>
+                <a:tc>
+                  <a:txBody>
+                    <a:bodyPr/>
+                    <a:lstStyle/>
+                    <a:p>
+                      <a:pPr algn="ctr"/>
+                      <a:endParaRPr lang="zh-TW" altLang="en-US" dirty="0"/>
+                    </a:p>
+                  </a:txBody>
+                  <a:tcPr/>
+                </a:tc>
+                <a:tc>
+                  <a:txBody>
+                    <a:bodyPr/>
+                    <a:lstStyle/>
+                    <a:p>
+                      <a:pPr algn="ctr"/>
+                      <a:endParaRPr lang="zh-TW" altLang="en-US" dirty="0"/>
+                    </a:p>
+                  </a:txBody>
+                  <a:tcPr/>
+                </a:tc>
+                <a:extLst>
+                  <a:ext uri="{0D108BD9-81ED-4DB2-BD59-A6C34878D82A}">
+                    <a16:rowId xmlns:a16="http://schemas.microsoft.com/office/drawing/2014/main" val="27922673"/>
+                  </a:ext>
+                </a:extLst>
+              </a:tr>
+              <a:tr h="370840">
+                <a:tc>
+                  <a:txBody>
+                    <a:bodyPr/>
+                    <a:lstStyle/>
+                    <a:p>
+                      <a:pPr algn="ctr"/>
+                      <a:r>
+                        <a:rPr lang="en-US" altLang="zh-TW" dirty="0"/>
+                        <a:t>O</a:t>
+                      </a:r>
+                      <a:endParaRPr lang="zh-TW" altLang="en-US" dirty="0"/>
+                    </a:p>
+                  </a:txBody>
+                  <a:tcPr/>
+                </a:tc>
+                <a:tc>
+                  <a:txBody>
+                    <a:bodyPr/>
+                    <a:lstStyle/>
+                    <a:p>
+                      <a:pPr algn="ctr"/>
+                      <a:endParaRPr lang="zh-TW" altLang="en-US" dirty="0"/>
+                    </a:p>
+                  </a:txBody>
+                  <a:tcPr/>
+                </a:tc>
+                <a:tc>
+                  <a:txBody>
+                    <a:bodyPr/>
+                    <a:lstStyle/>
+                    <a:p>
+                      <a:pPr algn="ctr"/>
+                      <a:endParaRPr lang="zh-TW" altLang="en-US"/>
+                    </a:p>
+                  </a:txBody>
+                  <a:tcPr/>
+                </a:tc>
+                <a:extLst>
+                  <a:ext uri="{0D108BD9-81ED-4DB2-BD59-A6C34878D82A}">
+                    <a16:rowId xmlns:a16="http://schemas.microsoft.com/office/drawing/2014/main" val="132158736"/>
+                  </a:ext>
+                </a:extLst>
+              </a:tr>
+              <a:tr h="370840">
+                <a:tc>
+                  <a:txBody>
+                    <a:bodyPr/>
+                    <a:lstStyle/>
+                    <a:p>
+                      <a:pPr algn="ctr"/>
+                      <a:r>
+                        <a:rPr lang="en-US" altLang="zh-TW" dirty="0"/>
+                        <a:t>O</a:t>
+                      </a:r>
+                      <a:endParaRPr lang="zh-TW" altLang="en-US" dirty="0"/>
+                    </a:p>
+                  </a:txBody>
+                  <a:tcPr/>
+                </a:tc>
+                <a:tc>
+                  <a:txBody>
+                    <a:bodyPr/>
+                    <a:lstStyle/>
+                    <a:p>
+                      <a:pPr algn="ctr"/>
+                      <a:endParaRPr lang="zh-TW" altLang="en-US" dirty="0"/>
+                    </a:p>
+                  </a:txBody>
+                  <a:tcPr/>
+                </a:tc>
+                <a:tc>
+                  <a:txBody>
+                    <a:bodyPr/>
+                    <a:lstStyle/>
+                    <a:p>
+                      <a:pPr algn="ctr"/>
+                      <a:endParaRPr lang="zh-TW" altLang="en-US" dirty="0"/>
+                    </a:p>
+                  </a:txBody>
+                  <a:tcPr/>
+                </a:tc>
+                <a:extLst>
+                  <a:ext uri="{0D108BD9-81ED-4DB2-BD59-A6C34878D82A}">
+                    <a16:rowId xmlns:a16="http://schemas.microsoft.com/office/drawing/2014/main" val="781828520"/>
+                  </a:ext>
+                </a:extLst>
+              </a:tr>
+            </a:tbl>
+          </a:graphicData>
+        </a:graphic>
+      </p:graphicFrame>
+      <p:graphicFrame>
+        <p:nvGraphicFramePr>
+          <p:cNvPr id="6" name="表格 5">
+            <a:extLst>
+              <a:ext uri="{FF2B5EF4-FFF2-40B4-BE49-F238E27FC236}">
+                <a16:creationId xmlns:a16="http://schemas.microsoft.com/office/drawing/2014/main" id="{FBFC2566-D31F-2048-A816-0CAF3D8DD1EE}"/>
+              </a:ext>
+            </a:extLst>
+          </p:cNvPr>
+          <p:cNvGraphicFramePr>
+            <a:graphicFrameLocks noGrp="1"/>
+          </p:cNvGraphicFramePr>
+          <p:nvPr>
+            <p:extLst>
+              <p:ext uri="{D42A27DB-BD31-4B8C-83A1-F6EECF244321}">
+                <p14:modId xmlns:p14="http://schemas.microsoft.com/office/powerpoint/2010/main" val="4229480927"/>
+              </p:ext>
+            </p:extLst>
+          </p:nvPr>
+        </p:nvGraphicFramePr>
+        <p:xfrm>
+          <a:off x="5819686" y="2942009"/>
+          <a:ext cx="1159380" cy="1112520"/>
+        </p:xfrm>
+        <a:graphic>
+          <a:graphicData uri="http://schemas.openxmlformats.org/drawingml/2006/table">
+            <a:tbl>
+              <a:tblPr bandRow="1">
+                <a:tableStyleId>{5C22544A-7EE6-4342-B048-85BDC9FD1C3A}</a:tableStyleId>
+              </a:tblPr>
+              <a:tblGrid>
+                <a:gridCol w="386460">
+                  <a:extLst>
+                    <a:ext uri="{9D8B030D-6E8A-4147-A177-3AD203B41FA5}">
+                      <a16:colId xmlns:a16="http://schemas.microsoft.com/office/drawing/2014/main" val="3051557164"/>
+                    </a:ext>
+                  </a:extLst>
+                </a:gridCol>
+                <a:gridCol w="386460">
+                  <a:extLst>
+                    <a:ext uri="{9D8B030D-6E8A-4147-A177-3AD203B41FA5}">
+                      <a16:colId xmlns:a16="http://schemas.microsoft.com/office/drawing/2014/main" val="2181026278"/>
+                    </a:ext>
+                  </a:extLst>
+                </a:gridCol>
+                <a:gridCol w="386460">
+                  <a:extLst>
+                    <a:ext uri="{9D8B030D-6E8A-4147-A177-3AD203B41FA5}">
+                      <a16:colId xmlns:a16="http://schemas.microsoft.com/office/drawing/2014/main" val="1192595742"/>
+                    </a:ext>
+                  </a:extLst>
+                </a:gridCol>
+              </a:tblGrid>
+              <a:tr h="370840">
+                <a:tc>
+                  <a:txBody>
+                    <a:bodyPr/>
+                    <a:lstStyle/>
+                    <a:p>
+                      <a:pPr algn="ctr"/>
+                      <a:r>
+                        <a:rPr lang="en-US" altLang="zh-TW" dirty="0"/>
+                        <a:t>O</a:t>
+                      </a:r>
+                      <a:endParaRPr lang="zh-TW" altLang="en-US" dirty="0"/>
+                    </a:p>
+                  </a:txBody>
+                  <a:tcPr/>
+                </a:tc>
+                <a:tc>
+                  <a:txBody>
+                    <a:bodyPr/>
+                    <a:lstStyle/>
+                    <a:p>
+                      <a:pPr algn="ctr"/>
+                      <a:endParaRPr lang="zh-TW" altLang="en-US" dirty="0"/>
+                    </a:p>
+                  </a:txBody>
+                  <a:tcPr/>
+                </a:tc>
+                <a:tc>
+                  <a:txBody>
+                    <a:bodyPr/>
+                    <a:lstStyle/>
+                    <a:p>
+                      <a:pPr algn="ctr"/>
+                      <a:endParaRPr lang="zh-TW" altLang="en-US" dirty="0"/>
+                    </a:p>
+                  </a:txBody>
+                  <a:tcPr/>
+                </a:tc>
+                <a:extLst>
+                  <a:ext uri="{0D108BD9-81ED-4DB2-BD59-A6C34878D82A}">
+                    <a16:rowId xmlns:a16="http://schemas.microsoft.com/office/drawing/2014/main" val="27922673"/>
+                  </a:ext>
+                </a:extLst>
+              </a:tr>
+              <a:tr h="370840">
+                <a:tc>
+                  <a:txBody>
+                    <a:bodyPr/>
+                    <a:lstStyle/>
+                    <a:p>
+                      <a:pPr algn="ctr"/>
+                      <a:endParaRPr lang="zh-TW" altLang="en-US"/>
+                    </a:p>
+                  </a:txBody>
+                  <a:tcPr/>
+                </a:tc>
+                <a:tc>
+                  <a:txBody>
+                    <a:bodyPr/>
+                    <a:lstStyle/>
+                    <a:p>
+                      <a:pPr algn="ctr"/>
+                      <a:r>
+                        <a:rPr lang="en-US" altLang="zh-TW" dirty="0"/>
+                        <a:t>O</a:t>
+                      </a:r>
+                      <a:endParaRPr lang="zh-TW" altLang="en-US" dirty="0"/>
+                    </a:p>
+                  </a:txBody>
+                  <a:tcPr/>
+                </a:tc>
+                <a:tc>
+                  <a:txBody>
+                    <a:bodyPr/>
+                    <a:lstStyle/>
+                    <a:p>
+                      <a:pPr algn="ctr"/>
+                      <a:endParaRPr lang="zh-TW" altLang="en-US" dirty="0"/>
+                    </a:p>
+                  </a:txBody>
+                  <a:tcPr/>
+                </a:tc>
+                <a:extLst>
+                  <a:ext uri="{0D108BD9-81ED-4DB2-BD59-A6C34878D82A}">
+                    <a16:rowId xmlns:a16="http://schemas.microsoft.com/office/drawing/2014/main" val="132158736"/>
+                  </a:ext>
+                </a:extLst>
+              </a:tr>
+              <a:tr h="370840">
+                <a:tc>
+                  <a:txBody>
+                    <a:bodyPr/>
+                    <a:lstStyle/>
+                    <a:p>
+                      <a:pPr algn="ctr"/>
+                      <a:endParaRPr lang="zh-TW" altLang="en-US" dirty="0"/>
+                    </a:p>
+                  </a:txBody>
+                  <a:tcPr/>
+                </a:tc>
+                <a:tc>
+                  <a:txBody>
+                    <a:bodyPr/>
+                    <a:lstStyle/>
+                    <a:p>
+                      <a:pPr algn="ctr"/>
+                      <a:endParaRPr lang="zh-TW" altLang="en-US" dirty="0"/>
+                    </a:p>
+                  </a:txBody>
+                  <a:tcPr/>
+                </a:tc>
+                <a:tc>
+                  <a:txBody>
+                    <a:bodyPr/>
+                    <a:lstStyle/>
+                    <a:p>
+                      <a:pPr algn="ctr"/>
+                      <a:r>
+                        <a:rPr lang="en-US" altLang="zh-TW" dirty="0"/>
+                        <a:t>O</a:t>
+                      </a:r>
+                      <a:endParaRPr lang="zh-TW" altLang="en-US" dirty="0"/>
+                    </a:p>
+                  </a:txBody>
+                  <a:tcPr/>
+                </a:tc>
+                <a:extLst>
+                  <a:ext uri="{0D108BD9-81ED-4DB2-BD59-A6C34878D82A}">
+                    <a16:rowId xmlns:a16="http://schemas.microsoft.com/office/drawing/2014/main" val="781828520"/>
+                  </a:ext>
+                </a:extLst>
+              </a:tr>
+            </a:tbl>
+          </a:graphicData>
+        </a:graphic>
+      </p:graphicFrame>
     </p:spTree>
     <p:extLst>
       <p:ext uri="{BB962C8B-B14F-4D97-AF65-F5344CB8AC3E}">
@@ -20733,7 +21820,7 @@
 </p:sld>
 </file>
 
-<file path=ppt/slides/slide6.xml><?xml version="1.0" encoding="utf-8"?>
+<file path=ppt/slides/slide8.xml><?xml version="1.0" encoding="utf-8"?>
 <p:sld xmlns:a="http://schemas.openxmlformats.org/drawingml/2006/main" xmlns:r="http://schemas.openxmlformats.org/officeDocument/2006/relationships" xmlns:p="http://schemas.openxmlformats.org/presentationml/2006/main">
   <p:cSld>
     <p:bg>
@@ -20848,186 +21935,6 @@
 </p:sld>
 </file>
 
-<file path=ppt/slides/slide7.xml><?xml version="1.0" encoding="utf-8"?>
-<p:sld xmlns:a="http://schemas.openxmlformats.org/drawingml/2006/main" xmlns:r="http://schemas.openxmlformats.org/officeDocument/2006/relationships" xmlns:p="http://schemas.openxmlformats.org/presentationml/2006/main">
-  <p:cSld>
-    <p:spTree>
-      <p:nvGrpSpPr>
-        <p:cNvPr id="1" name=""/>
-        <p:cNvGrpSpPr/>
-        <p:nvPr/>
-      </p:nvGrpSpPr>
-      <p:grpSpPr>
-        <a:xfrm>
-          <a:off x="0" y="0"/>
-          <a:ext cx="0" cy="0"/>
-          <a:chOff x="0" y="0"/>
-          <a:chExt cx="0" cy="0"/>
-        </a:xfrm>
-      </p:grpSpPr>
-      <p:pic>
-        <p:nvPicPr>
-          <p:cNvPr id="3" name="圖片 2">
-            <a:extLst>
-              <a:ext uri="{FF2B5EF4-FFF2-40B4-BE49-F238E27FC236}">
-                <a16:creationId xmlns:a16="http://schemas.microsoft.com/office/drawing/2014/main" id="{F3BE1330-55A5-A84D-B636-92247FB80C25}"/>
-              </a:ext>
-            </a:extLst>
-          </p:cNvPr>
-          <p:cNvPicPr>
-            <a:picLocks noChangeAspect="1"/>
-          </p:cNvPicPr>
-          <p:nvPr/>
-        </p:nvPicPr>
-        <p:blipFill>
-          <a:blip r:embed="rId2"/>
-          <a:stretch>
-            <a:fillRect/>
-          </a:stretch>
-        </p:blipFill>
-        <p:spPr>
-          <a:xfrm>
-            <a:off x="507882" y="722475"/>
-            <a:ext cx="5359400" cy="3962400"/>
-          </a:xfrm>
-          <a:prstGeom prst="rect">
-            <a:avLst/>
-          </a:prstGeom>
-          <a:ln>
-            <a:solidFill>
-              <a:schemeClr val="accent1"/>
-            </a:solidFill>
-          </a:ln>
-        </p:spPr>
-      </p:pic>
-    </p:spTree>
-    <p:extLst>
-      <p:ext uri="{BB962C8B-B14F-4D97-AF65-F5344CB8AC3E}">
-        <p14:creationId xmlns:p14="http://schemas.microsoft.com/office/powerpoint/2010/main" val="2823131167"/>
-      </p:ext>
-    </p:extLst>
-  </p:cSld>
-  <p:clrMapOvr>
-    <a:masterClrMapping/>
-  </p:clrMapOvr>
-</p:sld>
-</file>
-
-<file path=ppt/slides/slide8.xml><?xml version="1.0" encoding="utf-8"?>
-<p:sld xmlns:a="http://schemas.openxmlformats.org/drawingml/2006/main" xmlns:r="http://schemas.openxmlformats.org/officeDocument/2006/relationships" xmlns:p="http://schemas.openxmlformats.org/presentationml/2006/main">
-  <p:cSld>
-    <p:bg>
-      <p:bgPr>
-        <a:solidFill>
-          <a:schemeClr val="bg1"/>
-        </a:solidFill>
-        <a:effectLst/>
-      </p:bgPr>
-    </p:bg>
-    <p:spTree>
-      <p:nvGrpSpPr>
-        <p:cNvPr id="1" name=""/>
-        <p:cNvGrpSpPr/>
-        <p:nvPr/>
-      </p:nvGrpSpPr>
-      <p:grpSpPr>
-        <a:xfrm>
-          <a:off x="0" y="0"/>
-          <a:ext cx="0" cy="0"/>
-          <a:chOff x="0" y="0"/>
-          <a:chExt cx="0" cy="0"/>
-        </a:xfrm>
-      </p:grpSpPr>
-      <p:sp>
-        <p:nvSpPr>
-          <p:cNvPr id="2" name="標題 1">
-            <a:extLst>
-              <a:ext uri="{FF2B5EF4-FFF2-40B4-BE49-F238E27FC236}">
-                <a16:creationId xmlns:a16="http://schemas.microsoft.com/office/drawing/2014/main" id="{8C2840B5-9697-D44A-8CEC-C50B447D4D01}"/>
-              </a:ext>
-            </a:extLst>
-          </p:cNvPr>
-          <p:cNvSpPr>
-            <a:spLocks noGrp="1"/>
-          </p:cNvSpPr>
-          <p:nvPr>
-            <p:ph type="title"/>
-          </p:nvPr>
-        </p:nvSpPr>
-        <p:spPr>
-          <a:xfrm>
-            <a:off x="6359833" y="765573"/>
-            <a:ext cx="2284555" cy="3883033"/>
-          </a:xfrm>
-          <a:ln>
-            <a:noFill/>
-          </a:ln>
-        </p:spPr>
-        <p:txBody>
-          <a:bodyPr>
-            <a:normAutofit/>
-          </a:bodyPr>
-          <a:lstStyle/>
-          <a:p>
-            <a:r>
-              <a:rPr lang="zh-TW" altLang="en-US" sz="2400" b="1" dirty="0"/>
-              <a:t>題目</a:t>
-            </a:r>
-            <a:r>
-              <a:rPr lang="en-US" altLang="zh-TW" sz="2400" b="1" dirty="0"/>
-              <a:t>24. </a:t>
-            </a:r>
-            <a:r>
-              <a:rPr lang="zh-TW" altLang="en-US" sz="2400" b="1" dirty="0"/>
-              <a:t>計算複利</a:t>
-            </a:r>
-          </a:p>
-        </p:txBody>
-      </p:sp>
-      <p:graphicFrame>
-        <p:nvGraphicFramePr>
-          <p:cNvPr id="5" name="內容版面配置區 2">
-            <a:extLst>
-              <a:ext uri="{FF2B5EF4-FFF2-40B4-BE49-F238E27FC236}">
-                <a16:creationId xmlns:a16="http://schemas.microsoft.com/office/drawing/2014/main" id="{B79F1320-04D0-4EA3-96DD-9006D69E9172}"/>
-              </a:ext>
-            </a:extLst>
-          </p:cNvPr>
-          <p:cNvGraphicFramePr>
-            <a:graphicFrameLocks noGrp="1"/>
-          </p:cNvGraphicFramePr>
-          <p:nvPr>
-            <p:ph idx="1"/>
-            <p:extLst>
-              <p:ext uri="{D42A27DB-BD31-4B8C-83A1-F6EECF244321}">
-                <p14:modId xmlns:p14="http://schemas.microsoft.com/office/powerpoint/2010/main" val="3473379428"/>
-              </p:ext>
-            </p:extLst>
-          </p:nvPr>
-        </p:nvGraphicFramePr>
-        <p:xfrm>
-          <a:off x="466725" y="765572"/>
-          <a:ext cx="4929188" cy="4191000"/>
-        </p:xfrm>
-        <a:graphic>
-          <a:graphicData uri="http://schemas.openxmlformats.org/drawingml/2006/diagram">
-            <dgm:relIds xmlns:dgm="http://schemas.openxmlformats.org/drawingml/2006/diagram" xmlns:r="http://schemas.openxmlformats.org/officeDocument/2006/relationships" r:dm="rId2" r:lo="rId3" r:qs="rId4" r:cs="rId5"/>
-          </a:graphicData>
-        </a:graphic>
-      </p:graphicFrame>
-    </p:spTree>
-    <p:extLst>
-      <p:ext uri="{BB962C8B-B14F-4D97-AF65-F5344CB8AC3E}">
-        <p14:creationId xmlns:p14="http://schemas.microsoft.com/office/powerpoint/2010/main" val="2402312671"/>
-      </p:ext>
-    </p:extLst>
-  </p:cSld>
-  <p:clrMapOvr>
-    <a:masterClrMapping/>
-  </p:clrMapOvr>
-</p:sld>
-</file>
-
 <file path=ppt/slides/slide9.xml><?xml version="1.0" encoding="utf-8"?>
 <p:sld xmlns:a="http://schemas.openxmlformats.org/drawingml/2006/main" xmlns:r="http://schemas.openxmlformats.org/officeDocument/2006/relationships" xmlns:p="http://schemas.openxmlformats.org/presentationml/2006/main">
   <p:cSld>
@@ -21050,7 +21957,7 @@
           <p:cNvPr id="4" name="圖片 3">
             <a:extLst>
               <a:ext uri="{FF2B5EF4-FFF2-40B4-BE49-F238E27FC236}">
-                <a16:creationId xmlns:a16="http://schemas.microsoft.com/office/drawing/2014/main" id="{372054FA-E2A6-5241-BD91-B6FB685FCEC4}"/>
+                <a16:creationId xmlns:a16="http://schemas.microsoft.com/office/drawing/2014/main" id="{7E45A0B2-9E8A-674A-AE35-34C3C175AE1F}"/>
               </a:ext>
             </a:extLst>
           </p:cNvPr>
@@ -21067,23 +21974,18 @@
         </p:blipFill>
         <p:spPr>
           <a:xfrm>
-            <a:off x="720873" y="1479550"/>
-            <a:ext cx="4762500" cy="2755900"/>
+            <a:off x="0" y="728836"/>
+            <a:ext cx="9144000" cy="4257328"/>
           </a:xfrm>
           <a:prstGeom prst="rect">
             <a:avLst/>
           </a:prstGeom>
-          <a:ln>
-            <a:solidFill>
-              <a:schemeClr val="accent1"/>
-            </a:solidFill>
-          </a:ln>
         </p:spPr>
       </p:pic>
     </p:spTree>
     <p:extLst>
       <p:ext uri="{BB962C8B-B14F-4D97-AF65-F5344CB8AC3E}">
-        <p14:creationId xmlns:p14="http://schemas.microsoft.com/office/powerpoint/2010/main" val="3355254503"/>
+        <p14:creationId xmlns:p14="http://schemas.microsoft.com/office/powerpoint/2010/main" val="3218946158"/>
       </p:ext>
     </p:extLst>
   </p:cSld>
